--- a/apresentacao.pptx
+++ b/apresentacao.pptx
@@ -11,7 +11,6 @@
     <p:sldId id="258" r:id="rId6"/>
     <p:sldId id="259" r:id="rId7"/>
     <p:sldId id="260" r:id="rId8"/>
-    <p:sldId id="261" r:id="rId9"/>
   </p:sldIdLst>
   <p:sldSz cx="10080625" cy="5670550"/>
   <p:notesSz cx="7559675" cy="10691812"/>
@@ -70,7 +69,7 @@
         <p:spPr>
           <a:xfrm>
             <a:off x="504000" y="226080"/>
-            <a:ext cx="9071280" cy="946080"/>
+            <a:ext cx="9072000" cy="946440"/>
           </a:xfrm>
           <a:prstGeom prst="rect">
             <a:avLst/>
@@ -101,7 +100,7 @@
         <p:spPr>
           <a:xfrm>
             <a:off x="504000" y="1326600"/>
-            <a:ext cx="9071280" cy="1568160"/>
+            <a:ext cx="9072000" cy="1568520"/>
           </a:xfrm>
           <a:prstGeom prst="rect">
             <a:avLst/>
@@ -130,8 +129,8 @@
         </p:nvSpPr>
         <p:spPr>
           <a:xfrm>
-            <a:off x="504000" y="3044160"/>
-            <a:ext cx="9071280" cy="1568160"/>
+            <a:off x="504000" y="3044520"/>
+            <a:ext cx="9072000" cy="1568520"/>
           </a:xfrm>
           <a:prstGeom prst="rect">
             <a:avLst/>
@@ -183,7 +182,7 @@
         <p:spPr>
           <a:xfrm>
             <a:off x="504000" y="226080"/>
-            <a:ext cx="9071280" cy="946080"/>
+            <a:ext cx="9072000" cy="946440"/>
           </a:xfrm>
           <a:prstGeom prst="rect">
             <a:avLst/>
@@ -214,7 +213,7 @@
         <p:spPr>
           <a:xfrm>
             <a:off x="504000" y="1326600"/>
-            <a:ext cx="4426560" cy="1568160"/>
+            <a:ext cx="4426920" cy="1568520"/>
           </a:xfrm>
           <a:prstGeom prst="rect">
             <a:avLst/>
@@ -243,8 +242,8 @@
         </p:nvSpPr>
         <p:spPr>
           <a:xfrm>
-            <a:off x="5152320" y="1326600"/>
-            <a:ext cx="4426560" cy="1568160"/>
+            <a:off x="5152680" y="1326600"/>
+            <a:ext cx="4426920" cy="1568520"/>
           </a:xfrm>
           <a:prstGeom prst="rect">
             <a:avLst/>
@@ -273,8 +272,8 @@
         </p:nvSpPr>
         <p:spPr>
           <a:xfrm>
-            <a:off x="504000" y="3044160"/>
-            <a:ext cx="4426560" cy="1568160"/>
+            <a:off x="504000" y="3044520"/>
+            <a:ext cx="4426920" cy="1568520"/>
           </a:xfrm>
           <a:prstGeom prst="rect">
             <a:avLst/>
@@ -303,8 +302,8 @@
         </p:nvSpPr>
         <p:spPr>
           <a:xfrm>
-            <a:off x="5152320" y="3044160"/>
-            <a:ext cx="4426560" cy="1568160"/>
+            <a:off x="5152680" y="3044520"/>
+            <a:ext cx="4426920" cy="1568520"/>
           </a:xfrm>
           <a:prstGeom prst="rect">
             <a:avLst/>
@@ -356,7 +355,7 @@
         <p:spPr>
           <a:xfrm>
             <a:off x="504000" y="226080"/>
-            <a:ext cx="9071280" cy="946080"/>
+            <a:ext cx="9072000" cy="946440"/>
           </a:xfrm>
           <a:prstGeom prst="rect">
             <a:avLst/>
@@ -387,7 +386,7 @@
         <p:spPr>
           <a:xfrm>
             <a:off x="504000" y="1326600"/>
-            <a:ext cx="2920680" cy="1568160"/>
+            <a:ext cx="2921040" cy="1568520"/>
           </a:xfrm>
           <a:prstGeom prst="rect">
             <a:avLst/>
@@ -416,8 +415,8 @@
         </p:nvSpPr>
         <p:spPr>
           <a:xfrm>
-            <a:off x="3571200" y="1326600"/>
-            <a:ext cx="2920680" cy="1568160"/>
+            <a:off x="3571560" y="1326600"/>
+            <a:ext cx="2921040" cy="1568520"/>
           </a:xfrm>
           <a:prstGeom prst="rect">
             <a:avLst/>
@@ -446,8 +445,8 @@
         </p:nvSpPr>
         <p:spPr>
           <a:xfrm>
-            <a:off x="6638040" y="1326600"/>
-            <a:ext cx="2920680" cy="1568160"/>
+            <a:off x="6639120" y="1326600"/>
+            <a:ext cx="2921040" cy="1568520"/>
           </a:xfrm>
           <a:prstGeom prst="rect">
             <a:avLst/>
@@ -476,8 +475,8 @@
         </p:nvSpPr>
         <p:spPr>
           <a:xfrm>
-            <a:off x="504000" y="3044160"/>
-            <a:ext cx="2920680" cy="1568160"/>
+            <a:off x="504000" y="3044520"/>
+            <a:ext cx="2921040" cy="1568520"/>
           </a:xfrm>
           <a:prstGeom prst="rect">
             <a:avLst/>
@@ -506,8 +505,8 @@
         </p:nvSpPr>
         <p:spPr>
           <a:xfrm>
-            <a:off x="3571200" y="3044160"/>
-            <a:ext cx="2920680" cy="1568160"/>
+            <a:off x="3571560" y="3044520"/>
+            <a:ext cx="2921040" cy="1568520"/>
           </a:xfrm>
           <a:prstGeom prst="rect">
             <a:avLst/>
@@ -536,8 +535,8 @@
         </p:nvSpPr>
         <p:spPr>
           <a:xfrm>
-            <a:off x="6638040" y="3044160"/>
-            <a:ext cx="2920680" cy="1568160"/>
+            <a:off x="6639120" y="3044520"/>
+            <a:ext cx="2921040" cy="1568520"/>
           </a:xfrm>
           <a:prstGeom prst="rect">
             <a:avLst/>
@@ -611,7 +610,7 @@
         <p:spPr>
           <a:xfrm>
             <a:off x="504000" y="226080"/>
-            <a:ext cx="9071280" cy="946080"/>
+            <a:ext cx="9072000" cy="946440"/>
           </a:xfrm>
           <a:prstGeom prst="rect">
             <a:avLst/>
@@ -642,7 +641,7 @@
         <p:spPr>
           <a:xfrm>
             <a:off x="504000" y="1326600"/>
-            <a:ext cx="9071280" cy="3287880"/>
+            <a:ext cx="9072000" cy="3288600"/>
           </a:xfrm>
           <a:prstGeom prst="rect">
             <a:avLst/>
@@ -695,7 +694,7 @@
         <p:spPr>
           <a:xfrm>
             <a:off x="504000" y="226080"/>
-            <a:ext cx="9071280" cy="946080"/>
+            <a:ext cx="9072000" cy="946440"/>
           </a:xfrm>
           <a:prstGeom prst="rect">
             <a:avLst/>
@@ -726,7 +725,7 @@
         <p:spPr>
           <a:xfrm>
             <a:off x="504000" y="1326600"/>
-            <a:ext cx="9071280" cy="3287880"/>
+            <a:ext cx="9072000" cy="3288600"/>
           </a:xfrm>
           <a:prstGeom prst="rect">
             <a:avLst/>
@@ -778,7 +777,7 @@
         <p:spPr>
           <a:xfrm>
             <a:off x="504000" y="226080"/>
-            <a:ext cx="9071280" cy="946080"/>
+            <a:ext cx="9072000" cy="946440"/>
           </a:xfrm>
           <a:prstGeom prst="rect">
             <a:avLst/>
@@ -809,7 +808,7 @@
         <p:spPr>
           <a:xfrm>
             <a:off x="504000" y="1326600"/>
-            <a:ext cx="4426560" cy="3287880"/>
+            <a:ext cx="4426920" cy="3288600"/>
           </a:xfrm>
           <a:prstGeom prst="rect">
             <a:avLst/>
@@ -838,8 +837,8 @@
         </p:nvSpPr>
         <p:spPr>
           <a:xfrm>
-            <a:off x="5152320" y="1326600"/>
-            <a:ext cx="4426560" cy="3287880"/>
+            <a:off x="5152680" y="1326600"/>
+            <a:ext cx="4426920" cy="3288600"/>
           </a:xfrm>
           <a:prstGeom prst="rect">
             <a:avLst/>
@@ -891,7 +890,7 @@
         <p:spPr>
           <a:xfrm>
             <a:off x="504000" y="226080"/>
-            <a:ext cx="9071280" cy="946080"/>
+            <a:ext cx="9072000" cy="946440"/>
           </a:xfrm>
           <a:prstGeom prst="rect">
             <a:avLst/>
@@ -944,7 +943,7 @@
         <p:spPr>
           <a:xfrm>
             <a:off x="504000" y="226080"/>
-            <a:ext cx="9071280" cy="4386600"/>
+            <a:ext cx="9072000" cy="4388400"/>
           </a:xfrm>
           <a:prstGeom prst="rect">
             <a:avLst/>
@@ -997,7 +996,7 @@
         <p:spPr>
           <a:xfrm>
             <a:off x="504000" y="226080"/>
-            <a:ext cx="9071280" cy="946080"/>
+            <a:ext cx="9072000" cy="946440"/>
           </a:xfrm>
           <a:prstGeom prst="rect">
             <a:avLst/>
@@ -1028,7 +1027,7 @@
         <p:spPr>
           <a:xfrm>
             <a:off x="504000" y="1326600"/>
-            <a:ext cx="4426560" cy="1568160"/>
+            <a:ext cx="4426920" cy="1568520"/>
           </a:xfrm>
           <a:prstGeom prst="rect">
             <a:avLst/>
@@ -1057,8 +1056,8 @@
         </p:nvSpPr>
         <p:spPr>
           <a:xfrm>
-            <a:off x="5152320" y="1326600"/>
-            <a:ext cx="4426560" cy="3287880"/>
+            <a:off x="5152680" y="1326600"/>
+            <a:ext cx="4426920" cy="3288600"/>
           </a:xfrm>
           <a:prstGeom prst="rect">
             <a:avLst/>
@@ -1087,8 +1086,8 @@
         </p:nvSpPr>
         <p:spPr>
           <a:xfrm>
-            <a:off x="504000" y="3044160"/>
-            <a:ext cx="4426560" cy="1568160"/>
+            <a:off x="504000" y="3044520"/>
+            <a:ext cx="4426920" cy="1568520"/>
           </a:xfrm>
           <a:prstGeom prst="rect">
             <a:avLst/>
@@ -1140,7 +1139,7 @@
         <p:spPr>
           <a:xfrm>
             <a:off x="504000" y="226080"/>
-            <a:ext cx="9071280" cy="946080"/>
+            <a:ext cx="9072000" cy="946440"/>
           </a:xfrm>
           <a:prstGeom prst="rect">
             <a:avLst/>
@@ -1171,7 +1170,7 @@
         <p:spPr>
           <a:xfrm>
             <a:off x="504000" y="1326600"/>
-            <a:ext cx="9071280" cy="3287880"/>
+            <a:ext cx="9072000" cy="3288600"/>
           </a:xfrm>
           <a:prstGeom prst="rect">
             <a:avLst/>
@@ -1224,7 +1223,7 @@
         <p:spPr>
           <a:xfrm>
             <a:off x="504000" y="226080"/>
-            <a:ext cx="9071280" cy="946080"/>
+            <a:ext cx="9072000" cy="946440"/>
           </a:xfrm>
           <a:prstGeom prst="rect">
             <a:avLst/>
@@ -1255,7 +1254,7 @@
         <p:spPr>
           <a:xfrm>
             <a:off x="504000" y="1326600"/>
-            <a:ext cx="4426560" cy="3287880"/>
+            <a:ext cx="4426920" cy="3288600"/>
           </a:xfrm>
           <a:prstGeom prst="rect">
             <a:avLst/>
@@ -1284,8 +1283,8 @@
         </p:nvSpPr>
         <p:spPr>
           <a:xfrm>
-            <a:off x="5152320" y="1326600"/>
-            <a:ext cx="4426560" cy="1568160"/>
+            <a:off x="5152680" y="1326600"/>
+            <a:ext cx="4426920" cy="1568520"/>
           </a:xfrm>
           <a:prstGeom prst="rect">
             <a:avLst/>
@@ -1314,8 +1313,8 @@
         </p:nvSpPr>
         <p:spPr>
           <a:xfrm>
-            <a:off x="5152320" y="3044160"/>
-            <a:ext cx="4426560" cy="1568160"/>
+            <a:off x="5152680" y="3044520"/>
+            <a:ext cx="4426920" cy="1568520"/>
           </a:xfrm>
           <a:prstGeom prst="rect">
             <a:avLst/>
@@ -1367,7 +1366,7 @@
         <p:spPr>
           <a:xfrm>
             <a:off x="504000" y="226080"/>
-            <a:ext cx="9071280" cy="946080"/>
+            <a:ext cx="9072000" cy="946440"/>
           </a:xfrm>
           <a:prstGeom prst="rect">
             <a:avLst/>
@@ -1398,7 +1397,7 @@
         <p:spPr>
           <a:xfrm>
             <a:off x="504000" y="1326600"/>
-            <a:ext cx="4426560" cy="1568160"/>
+            <a:ext cx="4426920" cy="1568520"/>
           </a:xfrm>
           <a:prstGeom prst="rect">
             <a:avLst/>
@@ -1427,8 +1426,8 @@
         </p:nvSpPr>
         <p:spPr>
           <a:xfrm>
-            <a:off x="5152320" y="1326600"/>
-            <a:ext cx="4426560" cy="1568160"/>
+            <a:off x="5152680" y="1326600"/>
+            <a:ext cx="4426920" cy="1568520"/>
           </a:xfrm>
           <a:prstGeom prst="rect">
             <a:avLst/>
@@ -1457,8 +1456,8 @@
         </p:nvSpPr>
         <p:spPr>
           <a:xfrm>
-            <a:off x="504000" y="3044160"/>
-            <a:ext cx="9071280" cy="1568160"/>
+            <a:off x="504000" y="3044520"/>
+            <a:ext cx="9072000" cy="1568520"/>
           </a:xfrm>
           <a:prstGeom prst="rect">
             <a:avLst/>
@@ -1510,7 +1509,7 @@
         <p:spPr>
           <a:xfrm>
             <a:off x="504000" y="226080"/>
-            <a:ext cx="9071280" cy="946080"/>
+            <a:ext cx="9072000" cy="946440"/>
           </a:xfrm>
           <a:prstGeom prst="rect">
             <a:avLst/>
@@ -1541,7 +1540,7 @@
         <p:spPr>
           <a:xfrm>
             <a:off x="504000" y="1326600"/>
-            <a:ext cx="9071280" cy="1568160"/>
+            <a:ext cx="9072000" cy="1568520"/>
           </a:xfrm>
           <a:prstGeom prst="rect">
             <a:avLst/>
@@ -1570,8 +1569,8 @@
         </p:nvSpPr>
         <p:spPr>
           <a:xfrm>
-            <a:off x="504000" y="3044160"/>
-            <a:ext cx="9071280" cy="1568160"/>
+            <a:off x="504000" y="3044520"/>
+            <a:ext cx="9072000" cy="1568520"/>
           </a:xfrm>
           <a:prstGeom prst="rect">
             <a:avLst/>
@@ -1623,7 +1622,7 @@
         <p:spPr>
           <a:xfrm>
             <a:off x="504000" y="226080"/>
-            <a:ext cx="9071280" cy="946080"/>
+            <a:ext cx="9072000" cy="946440"/>
           </a:xfrm>
           <a:prstGeom prst="rect">
             <a:avLst/>
@@ -1654,7 +1653,7 @@
         <p:spPr>
           <a:xfrm>
             <a:off x="504000" y="1326600"/>
-            <a:ext cx="4426560" cy="1568160"/>
+            <a:ext cx="4426920" cy="1568520"/>
           </a:xfrm>
           <a:prstGeom prst="rect">
             <a:avLst/>
@@ -1683,8 +1682,8 @@
         </p:nvSpPr>
         <p:spPr>
           <a:xfrm>
-            <a:off x="5152320" y="1326600"/>
-            <a:ext cx="4426560" cy="1568160"/>
+            <a:off x="5152680" y="1326600"/>
+            <a:ext cx="4426920" cy="1568520"/>
           </a:xfrm>
           <a:prstGeom prst="rect">
             <a:avLst/>
@@ -1713,8 +1712,8 @@
         </p:nvSpPr>
         <p:spPr>
           <a:xfrm>
-            <a:off x="504000" y="3044160"/>
-            <a:ext cx="4426560" cy="1568160"/>
+            <a:off x="504000" y="3044520"/>
+            <a:ext cx="4426920" cy="1568520"/>
           </a:xfrm>
           <a:prstGeom prst="rect">
             <a:avLst/>
@@ -1743,8 +1742,8 @@
         </p:nvSpPr>
         <p:spPr>
           <a:xfrm>
-            <a:off x="5152320" y="3044160"/>
-            <a:ext cx="4426560" cy="1568160"/>
+            <a:off x="5152680" y="3044520"/>
+            <a:ext cx="4426920" cy="1568520"/>
           </a:xfrm>
           <a:prstGeom prst="rect">
             <a:avLst/>
@@ -1796,7 +1795,7 @@
         <p:spPr>
           <a:xfrm>
             <a:off x="504000" y="226080"/>
-            <a:ext cx="9071280" cy="946080"/>
+            <a:ext cx="9072000" cy="946440"/>
           </a:xfrm>
           <a:prstGeom prst="rect">
             <a:avLst/>
@@ -1827,7 +1826,7 @@
         <p:spPr>
           <a:xfrm>
             <a:off x="504000" y="1326600"/>
-            <a:ext cx="2920680" cy="1568160"/>
+            <a:ext cx="2921040" cy="1568520"/>
           </a:xfrm>
           <a:prstGeom prst="rect">
             <a:avLst/>
@@ -1856,8 +1855,8 @@
         </p:nvSpPr>
         <p:spPr>
           <a:xfrm>
-            <a:off x="3571200" y="1326600"/>
-            <a:ext cx="2920680" cy="1568160"/>
+            <a:off x="3571560" y="1326600"/>
+            <a:ext cx="2921040" cy="1568520"/>
           </a:xfrm>
           <a:prstGeom prst="rect">
             <a:avLst/>
@@ -1886,8 +1885,8 @@
         </p:nvSpPr>
         <p:spPr>
           <a:xfrm>
-            <a:off x="6638040" y="1326600"/>
-            <a:ext cx="2920680" cy="1568160"/>
+            <a:off x="6639120" y="1326600"/>
+            <a:ext cx="2921040" cy="1568520"/>
           </a:xfrm>
           <a:prstGeom prst="rect">
             <a:avLst/>
@@ -1916,8 +1915,8 @@
         </p:nvSpPr>
         <p:spPr>
           <a:xfrm>
-            <a:off x="504000" y="3044160"/>
-            <a:ext cx="2920680" cy="1568160"/>
+            <a:off x="504000" y="3044520"/>
+            <a:ext cx="2921040" cy="1568520"/>
           </a:xfrm>
           <a:prstGeom prst="rect">
             <a:avLst/>
@@ -1946,8 +1945,8 @@
         </p:nvSpPr>
         <p:spPr>
           <a:xfrm>
-            <a:off x="3571200" y="3044160"/>
-            <a:ext cx="2920680" cy="1568160"/>
+            <a:off x="3571560" y="3044520"/>
+            <a:ext cx="2921040" cy="1568520"/>
           </a:xfrm>
           <a:prstGeom prst="rect">
             <a:avLst/>
@@ -1976,8 +1975,8 @@
         </p:nvSpPr>
         <p:spPr>
           <a:xfrm>
-            <a:off x="6638040" y="3044160"/>
-            <a:ext cx="2920680" cy="1568160"/>
+            <a:off x="6639120" y="3044520"/>
+            <a:ext cx="2921040" cy="1568520"/>
           </a:xfrm>
           <a:prstGeom prst="rect">
             <a:avLst/>
@@ -2029,7 +2028,7 @@
         <p:spPr>
           <a:xfrm>
             <a:off x="504000" y="226080"/>
-            <a:ext cx="9071280" cy="946080"/>
+            <a:ext cx="9072000" cy="946440"/>
           </a:xfrm>
           <a:prstGeom prst="rect">
             <a:avLst/>
@@ -2060,7 +2059,7 @@
         <p:spPr>
           <a:xfrm>
             <a:off x="504000" y="1326600"/>
-            <a:ext cx="9071280" cy="3287880"/>
+            <a:ext cx="9072000" cy="3288600"/>
           </a:xfrm>
           <a:prstGeom prst="rect">
             <a:avLst/>
@@ -2112,7 +2111,7 @@
         <p:spPr>
           <a:xfrm>
             <a:off x="504000" y="226080"/>
-            <a:ext cx="9071280" cy="946080"/>
+            <a:ext cx="9072000" cy="946440"/>
           </a:xfrm>
           <a:prstGeom prst="rect">
             <a:avLst/>
@@ -2143,7 +2142,7 @@
         <p:spPr>
           <a:xfrm>
             <a:off x="504000" y="1326600"/>
-            <a:ext cx="4426560" cy="3287880"/>
+            <a:ext cx="4426920" cy="3288600"/>
           </a:xfrm>
           <a:prstGeom prst="rect">
             <a:avLst/>
@@ -2172,8 +2171,8 @@
         </p:nvSpPr>
         <p:spPr>
           <a:xfrm>
-            <a:off x="5152320" y="1326600"/>
-            <a:ext cx="4426560" cy="3287880"/>
+            <a:off x="5152680" y="1326600"/>
+            <a:ext cx="4426920" cy="3288600"/>
           </a:xfrm>
           <a:prstGeom prst="rect">
             <a:avLst/>
@@ -2225,7 +2224,7 @@
         <p:spPr>
           <a:xfrm>
             <a:off x="504000" y="226080"/>
-            <a:ext cx="9071280" cy="946080"/>
+            <a:ext cx="9072000" cy="946440"/>
           </a:xfrm>
           <a:prstGeom prst="rect">
             <a:avLst/>
@@ -2278,7 +2277,7 @@
         <p:spPr>
           <a:xfrm>
             <a:off x="504000" y="226080"/>
-            <a:ext cx="9071280" cy="4386600"/>
+            <a:ext cx="9072000" cy="4388400"/>
           </a:xfrm>
           <a:prstGeom prst="rect">
             <a:avLst/>
@@ -2331,7 +2330,7 @@
         <p:spPr>
           <a:xfrm>
             <a:off x="504000" y="226080"/>
-            <a:ext cx="9071280" cy="946080"/>
+            <a:ext cx="9072000" cy="946440"/>
           </a:xfrm>
           <a:prstGeom prst="rect">
             <a:avLst/>
@@ -2362,7 +2361,7 @@
         <p:spPr>
           <a:xfrm>
             <a:off x="504000" y="1326600"/>
-            <a:ext cx="4426560" cy="1568160"/>
+            <a:ext cx="4426920" cy="1568520"/>
           </a:xfrm>
           <a:prstGeom prst="rect">
             <a:avLst/>
@@ -2391,8 +2390,8 @@
         </p:nvSpPr>
         <p:spPr>
           <a:xfrm>
-            <a:off x="5152320" y="1326600"/>
-            <a:ext cx="4426560" cy="3287880"/>
+            <a:off x="5152680" y="1326600"/>
+            <a:ext cx="4426920" cy="3288600"/>
           </a:xfrm>
           <a:prstGeom prst="rect">
             <a:avLst/>
@@ -2421,8 +2420,8 @@
         </p:nvSpPr>
         <p:spPr>
           <a:xfrm>
-            <a:off x="504000" y="3044160"/>
-            <a:ext cx="4426560" cy="1568160"/>
+            <a:off x="504000" y="3044520"/>
+            <a:ext cx="4426920" cy="1568520"/>
           </a:xfrm>
           <a:prstGeom prst="rect">
             <a:avLst/>
@@ -2474,7 +2473,7 @@
         <p:spPr>
           <a:xfrm>
             <a:off x="504000" y="226080"/>
-            <a:ext cx="9071280" cy="946080"/>
+            <a:ext cx="9072000" cy="946440"/>
           </a:xfrm>
           <a:prstGeom prst="rect">
             <a:avLst/>
@@ -2505,7 +2504,7 @@
         <p:spPr>
           <a:xfrm>
             <a:off x="504000" y="1326600"/>
-            <a:ext cx="4426560" cy="3287880"/>
+            <a:ext cx="4426920" cy="3288600"/>
           </a:xfrm>
           <a:prstGeom prst="rect">
             <a:avLst/>
@@ -2534,8 +2533,8 @@
         </p:nvSpPr>
         <p:spPr>
           <a:xfrm>
-            <a:off x="5152320" y="1326600"/>
-            <a:ext cx="4426560" cy="1568160"/>
+            <a:off x="5152680" y="1326600"/>
+            <a:ext cx="4426920" cy="1568520"/>
           </a:xfrm>
           <a:prstGeom prst="rect">
             <a:avLst/>
@@ -2564,8 +2563,8 @@
         </p:nvSpPr>
         <p:spPr>
           <a:xfrm>
-            <a:off x="5152320" y="3044160"/>
-            <a:ext cx="4426560" cy="1568160"/>
+            <a:off x="5152680" y="3044520"/>
+            <a:ext cx="4426920" cy="1568520"/>
           </a:xfrm>
           <a:prstGeom prst="rect">
             <a:avLst/>
@@ -2617,7 +2616,7 @@
         <p:spPr>
           <a:xfrm>
             <a:off x="504000" y="226080"/>
-            <a:ext cx="9071280" cy="946080"/>
+            <a:ext cx="9072000" cy="946440"/>
           </a:xfrm>
           <a:prstGeom prst="rect">
             <a:avLst/>
@@ -2648,7 +2647,7 @@
         <p:spPr>
           <a:xfrm>
             <a:off x="504000" y="1326600"/>
-            <a:ext cx="4426560" cy="1568160"/>
+            <a:ext cx="4426920" cy="1568520"/>
           </a:xfrm>
           <a:prstGeom prst="rect">
             <a:avLst/>
@@ -2677,8 +2676,8 @@
         </p:nvSpPr>
         <p:spPr>
           <a:xfrm>
-            <a:off x="5152320" y="1326600"/>
-            <a:ext cx="4426560" cy="1568160"/>
+            <a:off x="5152680" y="1326600"/>
+            <a:ext cx="4426920" cy="1568520"/>
           </a:xfrm>
           <a:prstGeom prst="rect">
             <a:avLst/>
@@ -2707,8 +2706,8 @@
         </p:nvSpPr>
         <p:spPr>
           <a:xfrm>
-            <a:off x="504000" y="3044160"/>
-            <a:ext cx="9071280" cy="1568160"/>
+            <a:off x="504000" y="3044520"/>
+            <a:ext cx="9072000" cy="1568520"/>
           </a:xfrm>
           <a:prstGeom prst="rect">
             <a:avLst/>
@@ -2760,7 +2759,7 @@
         <p:spPr>
           <a:xfrm>
             <a:off x="504000" y="226080"/>
-            <a:ext cx="9071280" cy="946080"/>
+            <a:ext cx="9070920" cy="945720"/>
           </a:xfrm>
           <a:prstGeom prst="rect">
             <a:avLst/>
@@ -2796,15 +2795,15 @@
         <p:spPr>
           <a:xfrm>
             <a:off x="504000" y="1326600"/>
-            <a:ext cx="9072000" cy="3288600"/>
-          </a:xfrm>
-          <a:prstGeom prst="rect">
-            <a:avLst/>
-          </a:prstGeom>
-        </p:spPr>
-        <p:txBody>
-          <a:bodyPr lIns="0" rIns="0" tIns="0" bIns="0">
-            <a:normAutofit fontScale="94000"/>
+            <a:ext cx="9070920" cy="3287520"/>
+          </a:xfrm>
+          <a:prstGeom prst="rect">
+            <a:avLst/>
+          </a:prstGeom>
+        </p:spPr>
+        <p:txBody>
+          <a:bodyPr lIns="0" rIns="0" tIns="0" bIns="0">
+            <a:normAutofit/>
           </a:bodyPr>
           <a:p>
             <a:pPr marL="432000" indent="-324000">
@@ -2819,12 +2818,12 @@
               <a:buChar char=""/>
             </a:pPr>
             <a:r>
-              <a:rPr b="0" lang="pt-PT" sz="3200" spc="-1" strike="noStrike">
+              <a:rPr b="0" lang="pt-PT" sz="1800" spc="-1" strike="noStrike">
                 <a:latin typeface="Arial"/>
               </a:rPr>
               <a:t>Clique para editar o formato de texto dos tópicos</a:t>
             </a:r>
-            <a:endParaRPr b="0" lang="pt-PT" sz="3200" spc="-1" strike="noStrike">
+            <a:endParaRPr b="0" lang="pt-PT" sz="1800" spc="-1" strike="noStrike">
               <a:latin typeface="Arial"/>
             </a:endParaRPr>
           </a:p>
@@ -2841,12 +2840,12 @@
               <a:buChar char=""/>
             </a:pPr>
             <a:r>
-              <a:rPr b="0" lang="pt-PT" sz="2800" spc="-1" strike="noStrike">
+              <a:rPr b="0" lang="pt-PT" sz="1800" spc="-1" strike="noStrike">
                 <a:latin typeface="Arial"/>
               </a:rPr>
               <a:t>Segundo nível de tópicos</a:t>
             </a:r>
-            <a:endParaRPr b="0" lang="pt-PT" sz="2800" spc="-1" strike="noStrike">
+            <a:endParaRPr b="0" lang="pt-PT" sz="1800" spc="-1" strike="noStrike">
               <a:latin typeface="Arial"/>
             </a:endParaRPr>
           </a:p>
@@ -2863,12 +2862,12 @@
               <a:buChar char=""/>
             </a:pPr>
             <a:r>
-              <a:rPr b="0" lang="pt-PT" sz="2400" spc="-1" strike="noStrike">
+              <a:rPr b="0" lang="pt-PT" sz="1800" spc="-1" strike="noStrike">
                 <a:latin typeface="Arial"/>
               </a:rPr>
               <a:t>Terceiro nível de tópicos</a:t>
             </a:r>
-            <a:endParaRPr b="0" lang="pt-PT" sz="2400" spc="-1" strike="noStrike">
+            <a:endParaRPr b="0" lang="pt-PT" sz="1800" spc="-1" strike="noStrike">
               <a:latin typeface="Arial"/>
             </a:endParaRPr>
           </a:p>
@@ -2885,12 +2884,12 @@
               <a:buChar char=""/>
             </a:pPr>
             <a:r>
-              <a:rPr b="0" lang="pt-PT" sz="2000" spc="-1" strike="noStrike">
+              <a:rPr b="0" lang="pt-PT" sz="1800" spc="-1" strike="noStrike">
                 <a:latin typeface="Arial"/>
               </a:rPr>
               <a:t>Quarto nível de tópicos</a:t>
             </a:r>
-            <a:endParaRPr b="0" lang="pt-PT" sz="2000" spc="-1" strike="noStrike">
+            <a:endParaRPr b="0" lang="pt-PT" sz="1800" spc="-1" strike="noStrike">
               <a:latin typeface="Arial"/>
             </a:endParaRPr>
           </a:p>
@@ -2907,12 +2906,12 @@
               <a:buChar char=""/>
             </a:pPr>
             <a:r>
-              <a:rPr b="0" lang="pt-PT" sz="2000" spc="-1" strike="noStrike">
+              <a:rPr b="0" lang="pt-PT" sz="1800" spc="-1" strike="noStrike">
                 <a:latin typeface="Arial"/>
               </a:rPr>
               <a:t>Quinto nível de tópicos</a:t>
             </a:r>
-            <a:endParaRPr b="0" lang="pt-PT" sz="2000" spc="-1" strike="noStrike">
+            <a:endParaRPr b="0" lang="pt-PT" sz="1800" spc="-1" strike="noStrike">
               <a:latin typeface="Arial"/>
             </a:endParaRPr>
           </a:p>
@@ -2929,12 +2928,12 @@
               <a:buChar char=""/>
             </a:pPr>
             <a:r>
-              <a:rPr b="0" lang="pt-PT" sz="2000" spc="-1" strike="noStrike">
+              <a:rPr b="0" lang="pt-PT" sz="1800" spc="-1" strike="noStrike">
                 <a:latin typeface="Arial"/>
               </a:rPr>
               <a:t>Sexto nível de tópicos</a:t>
             </a:r>
-            <a:endParaRPr b="0" lang="pt-PT" sz="2000" spc="-1" strike="noStrike">
+            <a:endParaRPr b="0" lang="pt-PT" sz="1800" spc="-1" strike="noStrike">
               <a:latin typeface="Arial"/>
             </a:endParaRPr>
           </a:p>
@@ -2951,12 +2950,12 @@
               <a:buChar char=""/>
             </a:pPr>
             <a:r>
-              <a:rPr b="0" lang="pt-PT" sz="2000" spc="-1" strike="noStrike">
+              <a:rPr b="0" lang="pt-PT" sz="1800" spc="-1" strike="noStrike">
                 <a:latin typeface="Arial"/>
               </a:rPr>
               <a:t>Sétimo nível de tópicos</a:t>
             </a:r>
-            <a:endParaRPr b="0" lang="pt-PT" sz="2000" spc="-1" strike="noStrike">
+            <a:endParaRPr b="0" lang="pt-PT" sz="1800" spc="-1" strike="noStrike">
               <a:latin typeface="Arial"/>
             </a:endParaRPr>
           </a:p>
@@ -3012,7 +3011,7 @@
         <p:spPr>
           <a:xfrm>
             <a:off x="504000" y="226080"/>
-            <a:ext cx="9071280" cy="946080"/>
+            <a:ext cx="9072000" cy="946440"/>
           </a:xfrm>
           <a:prstGeom prst="rect">
             <a:avLst/>
@@ -3023,13 +3022,14 @@
             <a:noAutofit/>
           </a:bodyPr>
           <a:p>
+            <a:pPr algn="ctr"/>
             <a:r>
-              <a:rPr b="0" lang="pt-PT" sz="1800" spc="-1" strike="noStrike">
+              <a:rPr b="0" lang="pt-PT" sz="4400" spc="-1" strike="noStrike">
                 <a:latin typeface="Arial"/>
               </a:rPr>
               <a:t>Clique para editar o formato do título</a:t>
             </a:r>
-            <a:endParaRPr b="0" lang="pt-PT" sz="1800" spc="-1" strike="noStrike">
+            <a:endParaRPr b="0" lang="pt-PT" sz="4400" spc="-1" strike="noStrike">
               <a:latin typeface="Arial"/>
             </a:endParaRPr>
           </a:p>
@@ -3048,7 +3048,7 @@
         <p:spPr>
           <a:xfrm>
             <a:off x="504000" y="1326600"/>
-            <a:ext cx="9071280" cy="3287880"/>
+            <a:ext cx="9072000" cy="3288600"/>
           </a:xfrm>
           <a:prstGeom prst="rect">
             <a:avLst/>
@@ -3071,12 +3071,12 @@
               <a:buChar char=""/>
             </a:pPr>
             <a:r>
-              <a:rPr b="0" lang="pt-PT" sz="1800" spc="-1" strike="noStrike">
+              <a:rPr b="0" lang="pt-PT" sz="3200" spc="-1" strike="noStrike">
                 <a:latin typeface="Arial"/>
               </a:rPr>
               <a:t>Clique para editar o formato de texto dos tópicos</a:t>
             </a:r>
-            <a:endParaRPr b="0" lang="pt-PT" sz="1800" spc="-1" strike="noStrike">
+            <a:endParaRPr b="0" lang="pt-PT" sz="3200" spc="-1" strike="noStrike">
               <a:latin typeface="Arial"/>
             </a:endParaRPr>
           </a:p>
@@ -3093,12 +3093,12 @@
               <a:buChar char=""/>
             </a:pPr>
             <a:r>
-              <a:rPr b="0" lang="pt-PT" sz="1800" spc="-1" strike="noStrike">
+              <a:rPr b="0" lang="pt-PT" sz="2800" spc="-1" strike="noStrike">
                 <a:latin typeface="Arial"/>
               </a:rPr>
               <a:t>Segundo nível de tópicos</a:t>
             </a:r>
-            <a:endParaRPr b="0" lang="pt-PT" sz="1800" spc="-1" strike="noStrike">
+            <a:endParaRPr b="0" lang="pt-PT" sz="2800" spc="-1" strike="noStrike">
               <a:latin typeface="Arial"/>
             </a:endParaRPr>
           </a:p>
@@ -3115,12 +3115,12 @@
               <a:buChar char=""/>
             </a:pPr>
             <a:r>
-              <a:rPr b="0" lang="pt-PT" sz="1800" spc="-1" strike="noStrike">
+              <a:rPr b="0" lang="pt-PT" sz="2400" spc="-1" strike="noStrike">
                 <a:latin typeface="Arial"/>
               </a:rPr>
               <a:t>Terceiro nível de tópicos</a:t>
             </a:r>
-            <a:endParaRPr b="0" lang="pt-PT" sz="1800" spc="-1" strike="noStrike">
+            <a:endParaRPr b="0" lang="pt-PT" sz="2400" spc="-1" strike="noStrike">
               <a:latin typeface="Arial"/>
             </a:endParaRPr>
           </a:p>
@@ -3137,12 +3137,12 @@
               <a:buChar char=""/>
             </a:pPr>
             <a:r>
-              <a:rPr b="0" lang="pt-PT" sz="1800" spc="-1" strike="noStrike">
+              <a:rPr b="0" lang="pt-PT" sz="2000" spc="-1" strike="noStrike">
                 <a:latin typeface="Arial"/>
               </a:rPr>
               <a:t>Quarto nível de tópicos</a:t>
             </a:r>
-            <a:endParaRPr b="0" lang="pt-PT" sz="1800" spc="-1" strike="noStrike">
+            <a:endParaRPr b="0" lang="pt-PT" sz="2000" spc="-1" strike="noStrike">
               <a:latin typeface="Arial"/>
             </a:endParaRPr>
           </a:p>
@@ -3159,12 +3159,12 @@
               <a:buChar char=""/>
             </a:pPr>
             <a:r>
-              <a:rPr b="0" lang="pt-PT" sz="1800" spc="-1" strike="noStrike">
+              <a:rPr b="0" lang="pt-PT" sz="2000" spc="-1" strike="noStrike">
                 <a:latin typeface="Arial"/>
               </a:rPr>
               <a:t>Quinto nível de tópicos</a:t>
             </a:r>
-            <a:endParaRPr b="0" lang="pt-PT" sz="1800" spc="-1" strike="noStrike">
+            <a:endParaRPr b="0" lang="pt-PT" sz="2000" spc="-1" strike="noStrike">
               <a:latin typeface="Arial"/>
             </a:endParaRPr>
           </a:p>
@@ -3181,12 +3181,12 @@
               <a:buChar char=""/>
             </a:pPr>
             <a:r>
-              <a:rPr b="0" lang="pt-PT" sz="1800" spc="-1" strike="noStrike">
+              <a:rPr b="0" lang="pt-PT" sz="2000" spc="-1" strike="noStrike">
                 <a:latin typeface="Arial"/>
               </a:rPr>
               <a:t>Sexto nível de tópicos</a:t>
             </a:r>
-            <a:endParaRPr b="0" lang="pt-PT" sz="1800" spc="-1" strike="noStrike">
+            <a:endParaRPr b="0" lang="pt-PT" sz="2000" spc="-1" strike="noStrike">
               <a:latin typeface="Arial"/>
             </a:endParaRPr>
           </a:p>
@@ -3203,12 +3203,12 @@
               <a:buChar char=""/>
             </a:pPr>
             <a:r>
-              <a:rPr b="0" lang="pt-PT" sz="1800" spc="-1" strike="noStrike">
+              <a:rPr b="0" lang="pt-PT" sz="2000" spc="-1" strike="noStrike">
                 <a:latin typeface="Arial"/>
               </a:rPr>
               <a:t>Sétimo nível de tópicos</a:t>
             </a:r>
-            <a:endParaRPr b="0" lang="pt-PT" sz="1800" spc="-1" strike="noStrike">
+            <a:endParaRPr b="0" lang="pt-PT" sz="2000" spc="-1" strike="noStrike">
               <a:latin typeface="Arial"/>
             </a:endParaRPr>
           </a:p>
@@ -3264,7 +3264,7 @@
         <p:spPr>
           <a:xfrm>
             <a:off x="29880" y="345960"/>
-            <a:ext cx="10079280" cy="5007240"/>
+            <a:ext cx="10078920" cy="5006880"/>
           </a:xfrm>
           <a:prstGeom prst="rect">
             <a:avLst/>
@@ -3317,7 +3317,7 @@
         <p:spPr>
           <a:xfrm>
             <a:off x="1940040" y="2520"/>
-            <a:ext cx="6221520" cy="5669280"/>
+            <a:ext cx="6221160" cy="5668920"/>
           </a:xfrm>
           <a:prstGeom prst="rect">
             <a:avLst/>
@@ -3370,7 +3370,7 @@
         <p:spPr>
           <a:xfrm>
             <a:off x="985680" y="1656000"/>
-            <a:ext cx="7581960" cy="1275480"/>
+            <a:ext cx="7581600" cy="1275120"/>
           </a:xfrm>
           <a:prstGeom prst="rect">
             <a:avLst/>
@@ -3389,7 +3389,7 @@
         <p:spPr>
           <a:xfrm>
             <a:off x="1080000" y="3096000"/>
-            <a:ext cx="7914600" cy="345960"/>
+            <a:ext cx="7914240" cy="345600"/>
           </a:xfrm>
           <a:prstGeom prst="rect">
             <a:avLst/>
@@ -3417,13 +3417,21 @@
             </a:pPr>
             <a:r>
               <a:rPr b="0" lang="pt-PT" sz="1800" spc="-1" strike="noStrike">
+                <a:solidFill>
+                  <a:srgbClr val="000000"/>
+                </a:solidFill>
                 <a:latin typeface="Arial"/>
+                <a:ea typeface="DejaVu Sans"/>
               </a:rPr>
               <a:t> </a:t>
             </a:r>
             <a:r>
               <a:rPr b="0" lang="pt-PT" sz="1800" spc="-1" strike="noStrike">
+                <a:solidFill>
+                  <a:srgbClr val="000000"/>
+                </a:solidFill>
                 <a:latin typeface="Arial"/>
+                <a:ea typeface="DejaVu Sans"/>
               </a:rPr>
               <a:t>É apenas uma implementação de um MOM (Message-oriented Middleware)</a:t>
             </a:r>
@@ -3472,7 +3480,7 @@
         <p:spPr>
           <a:xfrm>
             <a:off x="360360" y="216000"/>
-            <a:ext cx="9071280" cy="3287880"/>
+            <a:ext cx="9070920" cy="3287520"/>
           </a:xfrm>
           <a:prstGeom prst="rect">
             <a:avLst/>
@@ -3493,7 +3501,7 @@
             <a:normAutofit fontScale="54000"/>
           </a:bodyPr>
           <a:p>
-            <a:pPr marL="432000" indent="-323640">
+            <a:pPr marL="432000" indent="-323280">
               <a:lnSpc>
                 <a:spcPct val="100000"/>
               </a:lnSpc>
@@ -3509,7 +3517,11 @@
             </a:pPr>
             <a:r>
               <a:rPr b="0" lang="pt-PT" sz="3200" spc="-1" strike="noStrike">
+                <a:solidFill>
+                  <a:srgbClr val="000000"/>
+                </a:solidFill>
                 <a:latin typeface="Arial"/>
+                <a:ea typeface="DejaVu Sans"/>
               </a:rPr>
               <a:t>WebLogic</a:t>
             </a:r>
@@ -3518,7 +3530,7 @@
             </a:endParaRPr>
           </a:p>
           <a:p>
-            <a:pPr marL="432000" indent="-323640">
+            <a:pPr marL="432000" indent="-323280">
               <a:lnSpc>
                 <a:spcPct val="100000"/>
               </a:lnSpc>
@@ -3534,7 +3546,11 @@
             </a:pPr>
             <a:r>
               <a:rPr b="0" lang="pt-PT" sz="3200" spc="-1" strike="noStrike">
+                <a:solidFill>
+                  <a:srgbClr val="000000"/>
+                </a:solidFill>
                 <a:latin typeface="Arial"/>
+                <a:ea typeface="DejaVu Sans"/>
               </a:rPr>
               <a:t>RabbitMQ</a:t>
             </a:r>
@@ -3543,7 +3559,7 @@
             </a:endParaRPr>
           </a:p>
           <a:p>
-            <a:pPr marL="432000" indent="-323640">
+            <a:pPr marL="432000" indent="-323280">
               <a:lnSpc>
                 <a:spcPct val="100000"/>
               </a:lnSpc>
@@ -3559,7 +3575,11 @@
             </a:pPr>
             <a:r>
               <a:rPr b="0" lang="pt-PT" sz="3200" spc="-1" strike="noStrike">
+                <a:solidFill>
+                  <a:srgbClr val="000000"/>
+                </a:solidFill>
                 <a:latin typeface="Arial"/>
+                <a:ea typeface="DejaVu Sans"/>
               </a:rPr>
               <a:t>ActiveMQ</a:t>
             </a:r>
@@ -3568,7 +3588,7 @@
             </a:endParaRPr>
           </a:p>
           <a:p>
-            <a:pPr marL="432000" indent="-323640">
+            <a:pPr marL="432000" indent="-323280">
               <a:lnSpc>
                 <a:spcPct val="100000"/>
               </a:lnSpc>
@@ -3584,7 +3604,11 @@
             </a:pPr>
             <a:r>
               <a:rPr b="0" lang="pt-PT" sz="3200" spc="-1" strike="noStrike">
+                <a:solidFill>
+                  <a:srgbClr val="000000"/>
+                </a:solidFill>
                 <a:latin typeface="Arial"/>
+                <a:ea typeface="DejaVu Sans"/>
               </a:rPr>
               <a:t>JbossMQ</a:t>
             </a:r>
@@ -3593,7 +3617,7 @@
             </a:endParaRPr>
           </a:p>
           <a:p>
-            <a:pPr marL="432000" indent="-323640">
+            <a:pPr marL="432000" indent="-323280">
               <a:lnSpc>
                 <a:spcPct val="100000"/>
               </a:lnSpc>
@@ -3609,7 +3633,11 @@
             </a:pPr>
             <a:r>
               <a:rPr b="0" lang="pt-PT" sz="3200" spc="-1" strike="noStrike">
+                <a:solidFill>
+                  <a:srgbClr val="000000"/>
+                </a:solidFill>
                 <a:latin typeface="Arial"/>
+                <a:ea typeface="DejaVu Sans"/>
               </a:rPr>
               <a:t>Apache Kafka</a:t>
             </a:r>
@@ -3618,7 +3646,7 @@
             </a:endParaRPr>
           </a:p>
           <a:p>
-            <a:pPr marL="432000" indent="-323640">
+            <a:pPr marL="432000" indent="-323280">
               <a:lnSpc>
                 <a:spcPct val="100000"/>
               </a:lnSpc>
@@ -3634,7 +3662,11 @@
             </a:pPr>
             <a:r>
               <a:rPr b="0" lang="pt-PT" sz="3200" spc="-1" strike="noStrike">
+                <a:solidFill>
+                  <a:srgbClr val="000000"/>
+                </a:solidFill>
                 <a:latin typeface="Arial"/>
+                <a:ea typeface="DejaVu Sans"/>
               </a:rPr>
               <a:t>OpenJMS</a:t>
             </a:r>
@@ -3643,7 +3675,7 @@
             </a:endParaRPr>
           </a:p>
           <a:p>
-            <a:pPr marL="432000" indent="-323640">
+            <a:pPr marL="432000" indent="-323280">
               <a:lnSpc>
                 <a:spcPct val="100000"/>
               </a:lnSpc>
@@ -3659,7 +3691,11 @@
             </a:pPr>
             <a:r>
               <a:rPr b="0" lang="pt-PT" sz="3200" spc="-1" strike="noStrike">
+                <a:solidFill>
+                  <a:srgbClr val="000000"/>
+                </a:solidFill>
                 <a:latin typeface="Arial"/>
+                <a:ea typeface="DejaVu Sans"/>
               </a:rPr>
               <a:t>WebSphere MQ </a:t>
             </a:r>
@@ -3668,7 +3704,7 @@
             </a:endParaRPr>
           </a:p>
           <a:p>
-            <a:pPr marL="432000" indent="-323640">
+            <a:pPr marL="432000" indent="-323280">
               <a:lnSpc>
                 <a:spcPct val="100000"/>
               </a:lnSpc>
@@ -3684,7 +3720,11 @@
             </a:pPr>
             <a:r>
               <a:rPr b="0" lang="pt-PT" sz="3200" spc="-1" strike="noStrike">
+                <a:solidFill>
+                  <a:srgbClr val="000000"/>
+                </a:solidFill>
                 <a:latin typeface="Arial"/>
+                <a:ea typeface="DejaVu Sans"/>
               </a:rPr>
               <a:t>Outros...</a:t>
             </a:r>
@@ -3736,61 +3776,8 @@
         </p:blipFill>
         <p:spPr>
           <a:xfrm>
-            <a:off x="2274480" y="2027880"/>
-            <a:ext cx="5553000" cy="1618560"/>
-          </a:xfrm>
-          <a:prstGeom prst="rect">
-            <a:avLst/>
-          </a:prstGeom>
-          <a:ln>
-            <a:noFill/>
-          </a:ln>
-        </p:spPr>
-      </p:pic>
-    </p:spTree>
-  </p:cSld>
-  <mc:AlternateContent>
-    <mc:Choice Requires="p14">
-      <p:transition spd="slow" p14:dur="2000"/>
-    </mc:Choice>
-    <mc:Fallback>
-      <p:transition spd="slow"/>
-    </mc:Fallback>
-  </mc:AlternateContent>
-</p:sld>
-</file>
-
-<file path=ppt/slides/slide6.xml><?xml version="1.0" encoding="utf-8"?>
-<p:sld xmlns:a="http://schemas.openxmlformats.org/drawingml/2006/main" xmlns:p="http://schemas.openxmlformats.org/presentationml/2006/main" xmlns:r="http://schemas.openxmlformats.org/officeDocument/2006/relationships" xmlns:p14="http://schemas.microsoft.com/office/powerpoint/2010/main" xmlns:p15="http://schemas.microsoft.com/office/powerpoint/2012/main" xmlns:mc="http://schemas.openxmlformats.org/markup-compatibility/2006">
-  <p:cSld>
-    <p:spTree>
-      <p:nvGrpSpPr>
-        <p:cNvPr id="1" name=""/>
-        <p:cNvGrpSpPr/>
-        <p:nvPr/>
-      </p:nvGrpSpPr>
-      <p:grpSpPr>
-        <a:xfrm>
-          <a:off x="0" y="0"/>
-          <a:ext cx="0" cy="0"/>
-          <a:chOff x="0" y="0"/>
-          <a:chExt cx="0" cy="0"/>
-        </a:xfrm>
-      </p:grpSpPr>
-      <p:pic>
-        <p:nvPicPr>
-          <p:cNvPr id="82" name="" descr=""/>
-          <p:cNvPicPr/>
-          <p:nvPr/>
-        </p:nvPicPr>
-        <p:blipFill>
-          <a:blip r:embed="rId1"/>
-          <a:stretch/>
-        </p:blipFill>
-        <p:spPr>
-          <a:xfrm>
             <a:off x="1136160" y="411480"/>
-            <a:ext cx="7867080" cy="4876200"/>
+            <a:ext cx="7866720" cy="4875840"/>
           </a:xfrm>
           <a:prstGeom prst="rect">
             <a:avLst/>

--- a/apresentacao.pptx
+++ b/apresentacao.pptx
@@ -11,6 +11,7 @@
     <p:sldId id="258" r:id="rId6"/>
     <p:sldId id="259" r:id="rId7"/>
     <p:sldId id="260" r:id="rId8"/>
+    <p:sldId id="261" r:id="rId9"/>
   </p:sldIdLst>
   <p:sldSz cx="10080625" cy="5670550"/>
   <p:notesSz cx="7559675" cy="10691812"/>
@@ -2759,7 +2760,7 @@
         <p:spPr>
           <a:xfrm>
             <a:off x="504000" y="226080"/>
-            <a:ext cx="9070920" cy="945720"/>
+            <a:ext cx="9072000" cy="946440"/>
           </a:xfrm>
           <a:prstGeom prst="rect">
             <a:avLst/>
@@ -2770,13 +2771,14 @@
             <a:noAutofit/>
           </a:bodyPr>
           <a:p>
+            <a:pPr algn="ctr"/>
             <a:r>
-              <a:rPr b="0" lang="pt-PT" sz="1800" spc="-1" strike="noStrike">
+              <a:rPr b="0" lang="pt-PT" sz="4400" spc="-1" strike="noStrike">
                 <a:latin typeface="Arial"/>
               </a:rPr>
               <a:t>Clique para editar o formato do título</a:t>
             </a:r>
-            <a:endParaRPr b="0" lang="pt-PT" sz="1800" spc="-1" strike="noStrike">
+            <a:endParaRPr b="0" lang="pt-PT" sz="4400" spc="-1" strike="noStrike">
               <a:latin typeface="Arial"/>
             </a:endParaRPr>
           </a:p>
@@ -2795,15 +2797,15 @@
         <p:spPr>
           <a:xfrm>
             <a:off x="504000" y="1326600"/>
-            <a:ext cx="9070920" cy="3287520"/>
-          </a:xfrm>
-          <a:prstGeom prst="rect">
-            <a:avLst/>
-          </a:prstGeom>
-        </p:spPr>
-        <p:txBody>
-          <a:bodyPr lIns="0" rIns="0" tIns="0" bIns="0">
-            <a:normAutofit/>
+            <a:ext cx="9072000" cy="3288600"/>
+          </a:xfrm>
+          <a:prstGeom prst="rect">
+            <a:avLst/>
+          </a:prstGeom>
+        </p:spPr>
+        <p:txBody>
+          <a:bodyPr lIns="0" rIns="0" tIns="0" bIns="0">
+            <a:normAutofit fontScale="94000"/>
           </a:bodyPr>
           <a:p>
             <a:pPr marL="432000" indent="-324000">
@@ -2818,12 +2820,12 @@
               <a:buChar char=""/>
             </a:pPr>
             <a:r>
-              <a:rPr b="0" lang="pt-PT" sz="1800" spc="-1" strike="noStrike">
+              <a:rPr b="0" lang="pt-PT" sz="3200" spc="-1" strike="noStrike">
                 <a:latin typeface="Arial"/>
               </a:rPr>
               <a:t>Clique para editar o formato de texto dos tópicos</a:t>
             </a:r>
-            <a:endParaRPr b="0" lang="pt-PT" sz="1800" spc="-1" strike="noStrike">
+            <a:endParaRPr b="0" lang="pt-PT" sz="3200" spc="-1" strike="noStrike">
               <a:latin typeface="Arial"/>
             </a:endParaRPr>
           </a:p>
@@ -2840,12 +2842,12 @@
               <a:buChar char=""/>
             </a:pPr>
             <a:r>
-              <a:rPr b="0" lang="pt-PT" sz="1800" spc="-1" strike="noStrike">
+              <a:rPr b="0" lang="pt-PT" sz="2800" spc="-1" strike="noStrike">
                 <a:latin typeface="Arial"/>
               </a:rPr>
               <a:t>Segundo nível de tópicos</a:t>
             </a:r>
-            <a:endParaRPr b="0" lang="pt-PT" sz="1800" spc="-1" strike="noStrike">
+            <a:endParaRPr b="0" lang="pt-PT" sz="2800" spc="-1" strike="noStrike">
               <a:latin typeface="Arial"/>
             </a:endParaRPr>
           </a:p>
@@ -2862,12 +2864,12 @@
               <a:buChar char=""/>
             </a:pPr>
             <a:r>
-              <a:rPr b="0" lang="pt-PT" sz="1800" spc="-1" strike="noStrike">
+              <a:rPr b="0" lang="pt-PT" sz="2400" spc="-1" strike="noStrike">
                 <a:latin typeface="Arial"/>
               </a:rPr>
               <a:t>Terceiro nível de tópicos</a:t>
             </a:r>
-            <a:endParaRPr b="0" lang="pt-PT" sz="1800" spc="-1" strike="noStrike">
+            <a:endParaRPr b="0" lang="pt-PT" sz="2400" spc="-1" strike="noStrike">
               <a:latin typeface="Arial"/>
             </a:endParaRPr>
           </a:p>
@@ -2884,12 +2886,12 @@
               <a:buChar char=""/>
             </a:pPr>
             <a:r>
-              <a:rPr b="0" lang="pt-PT" sz="1800" spc="-1" strike="noStrike">
+              <a:rPr b="0" lang="pt-PT" sz="2000" spc="-1" strike="noStrike">
                 <a:latin typeface="Arial"/>
               </a:rPr>
               <a:t>Quarto nível de tópicos</a:t>
             </a:r>
-            <a:endParaRPr b="0" lang="pt-PT" sz="1800" spc="-1" strike="noStrike">
+            <a:endParaRPr b="0" lang="pt-PT" sz="2000" spc="-1" strike="noStrike">
               <a:latin typeface="Arial"/>
             </a:endParaRPr>
           </a:p>
@@ -2906,12 +2908,12 @@
               <a:buChar char=""/>
             </a:pPr>
             <a:r>
-              <a:rPr b="0" lang="pt-PT" sz="1800" spc="-1" strike="noStrike">
+              <a:rPr b="0" lang="pt-PT" sz="2000" spc="-1" strike="noStrike">
                 <a:latin typeface="Arial"/>
               </a:rPr>
               <a:t>Quinto nível de tópicos</a:t>
             </a:r>
-            <a:endParaRPr b="0" lang="pt-PT" sz="1800" spc="-1" strike="noStrike">
+            <a:endParaRPr b="0" lang="pt-PT" sz="2000" spc="-1" strike="noStrike">
               <a:latin typeface="Arial"/>
             </a:endParaRPr>
           </a:p>
@@ -2928,12 +2930,12 @@
               <a:buChar char=""/>
             </a:pPr>
             <a:r>
-              <a:rPr b="0" lang="pt-PT" sz="1800" spc="-1" strike="noStrike">
+              <a:rPr b="0" lang="pt-PT" sz="2000" spc="-1" strike="noStrike">
                 <a:latin typeface="Arial"/>
               </a:rPr>
               <a:t>Sexto nível de tópicos</a:t>
             </a:r>
-            <a:endParaRPr b="0" lang="pt-PT" sz="1800" spc="-1" strike="noStrike">
+            <a:endParaRPr b="0" lang="pt-PT" sz="2000" spc="-1" strike="noStrike">
               <a:latin typeface="Arial"/>
             </a:endParaRPr>
           </a:p>
@@ -2950,12 +2952,12 @@
               <a:buChar char=""/>
             </a:pPr>
             <a:r>
-              <a:rPr b="0" lang="pt-PT" sz="1800" spc="-1" strike="noStrike">
+              <a:rPr b="0" lang="pt-PT" sz="2000" spc="-1" strike="noStrike">
                 <a:latin typeface="Arial"/>
               </a:rPr>
               <a:t>Sétimo nível de tópicos</a:t>
             </a:r>
-            <a:endParaRPr b="0" lang="pt-PT" sz="1800" spc="-1" strike="noStrike">
+            <a:endParaRPr b="0" lang="pt-PT" sz="2000" spc="-1" strike="noStrike">
               <a:latin typeface="Arial"/>
             </a:endParaRPr>
           </a:p>
@@ -3264,7 +3266,7 @@
         <p:spPr>
           <a:xfrm>
             <a:off x="29880" y="345960"/>
-            <a:ext cx="10078920" cy="5006880"/>
+            <a:ext cx="10078200" cy="5006160"/>
           </a:xfrm>
           <a:prstGeom prst="rect">
             <a:avLst/>
@@ -3317,7 +3319,7 @@
         <p:spPr>
           <a:xfrm>
             <a:off x="1940040" y="2520"/>
-            <a:ext cx="6221160" cy="5668920"/>
+            <a:ext cx="6220440" cy="5668200"/>
           </a:xfrm>
           <a:prstGeom prst="rect">
             <a:avLst/>
@@ -3370,7 +3372,7 @@
         <p:spPr>
           <a:xfrm>
             <a:off x="985680" y="1656000"/>
-            <a:ext cx="7581600" cy="1275120"/>
+            <a:ext cx="7580880" cy="1274400"/>
           </a:xfrm>
           <a:prstGeom prst="rect">
             <a:avLst/>
@@ -3389,7 +3391,7 @@
         <p:spPr>
           <a:xfrm>
             <a:off x="1080000" y="3096000"/>
-            <a:ext cx="7914240" cy="345600"/>
+            <a:ext cx="7913520" cy="344880"/>
           </a:xfrm>
           <a:prstGeom prst="rect">
             <a:avLst/>
@@ -3471,269 +3473,29 @@
           <a:chExt cx="0" cy="0"/>
         </a:xfrm>
       </p:grpSpPr>
-      <p:sp>
-        <p:nvSpPr>
-          <p:cNvPr id="80" name="CustomShape 1"/>
-          <p:cNvSpPr/>
+      <p:pic>
+        <p:nvPicPr>
+          <p:cNvPr id="80" name="" descr=""/>
+          <p:cNvPicPr/>
           <p:nvPr/>
-        </p:nvSpPr>
-        <p:spPr>
-          <a:xfrm>
-            <a:off x="360360" y="216000"/>
-            <a:ext cx="9070920" cy="3287520"/>
-          </a:xfrm>
-          <a:prstGeom prst="rect">
-            <a:avLst/>
-          </a:prstGeom>
-          <a:noFill/>
+        </p:nvPicPr>
+        <p:blipFill>
+          <a:blip r:embed="rId1"/>
+          <a:stretch/>
+        </p:blipFill>
+        <p:spPr>
+          <a:xfrm>
+            <a:off x="778680" y="489600"/>
+            <a:ext cx="8544240" cy="4695480"/>
+          </a:xfrm>
+          <a:prstGeom prst="rect">
+            <a:avLst/>
+          </a:prstGeom>
           <a:ln>
             <a:noFill/>
           </a:ln>
         </p:spPr>
-        <p:style>
-          <a:lnRef idx="0"/>
-          <a:fillRef idx="0"/>
-          <a:effectRef idx="0"/>
-          <a:fontRef idx="minor"/>
-        </p:style>
-        <p:txBody>
-          <a:bodyPr lIns="0" rIns="0" tIns="0" bIns="0">
-            <a:normAutofit fontScale="54000"/>
-          </a:bodyPr>
-          <a:p>
-            <a:pPr marL="432000" indent="-323280">
-              <a:lnSpc>
-                <a:spcPct val="100000"/>
-              </a:lnSpc>
-              <a:spcBef>
-                <a:spcPts val="1417"/>
-              </a:spcBef>
-              <a:buClr>
-                <a:srgbClr val="000000"/>
-              </a:buClr>
-              <a:buSzPct val="45000"/>
-              <a:buFont typeface="Wingdings" charset="2"/>
-              <a:buChar char=""/>
-            </a:pPr>
-            <a:r>
-              <a:rPr b="0" lang="pt-PT" sz="3200" spc="-1" strike="noStrike">
-                <a:solidFill>
-                  <a:srgbClr val="000000"/>
-                </a:solidFill>
-                <a:latin typeface="Arial"/>
-                <a:ea typeface="DejaVu Sans"/>
-              </a:rPr>
-              <a:t>WebLogic</a:t>
-            </a:r>
-            <a:endParaRPr b="0" lang="pt-PT" sz="3200" spc="-1" strike="noStrike">
-              <a:latin typeface="Arial"/>
-            </a:endParaRPr>
-          </a:p>
-          <a:p>
-            <a:pPr marL="432000" indent="-323280">
-              <a:lnSpc>
-                <a:spcPct val="100000"/>
-              </a:lnSpc>
-              <a:spcBef>
-                <a:spcPts val="1417"/>
-              </a:spcBef>
-              <a:buClr>
-                <a:srgbClr val="000000"/>
-              </a:buClr>
-              <a:buSzPct val="45000"/>
-              <a:buFont typeface="Wingdings" charset="2"/>
-              <a:buChar char=""/>
-            </a:pPr>
-            <a:r>
-              <a:rPr b="0" lang="pt-PT" sz="3200" spc="-1" strike="noStrike">
-                <a:solidFill>
-                  <a:srgbClr val="000000"/>
-                </a:solidFill>
-                <a:latin typeface="Arial"/>
-                <a:ea typeface="DejaVu Sans"/>
-              </a:rPr>
-              <a:t>RabbitMQ</a:t>
-            </a:r>
-            <a:endParaRPr b="0" lang="pt-PT" sz="3200" spc="-1" strike="noStrike">
-              <a:latin typeface="Arial"/>
-            </a:endParaRPr>
-          </a:p>
-          <a:p>
-            <a:pPr marL="432000" indent="-323280">
-              <a:lnSpc>
-                <a:spcPct val="100000"/>
-              </a:lnSpc>
-              <a:spcBef>
-                <a:spcPts val="1417"/>
-              </a:spcBef>
-              <a:buClr>
-                <a:srgbClr val="000000"/>
-              </a:buClr>
-              <a:buSzPct val="45000"/>
-              <a:buFont typeface="Wingdings" charset="2"/>
-              <a:buChar char=""/>
-            </a:pPr>
-            <a:r>
-              <a:rPr b="0" lang="pt-PT" sz="3200" spc="-1" strike="noStrike">
-                <a:solidFill>
-                  <a:srgbClr val="000000"/>
-                </a:solidFill>
-                <a:latin typeface="Arial"/>
-                <a:ea typeface="DejaVu Sans"/>
-              </a:rPr>
-              <a:t>ActiveMQ</a:t>
-            </a:r>
-            <a:endParaRPr b="0" lang="pt-PT" sz="3200" spc="-1" strike="noStrike">
-              <a:latin typeface="Arial"/>
-            </a:endParaRPr>
-          </a:p>
-          <a:p>
-            <a:pPr marL="432000" indent="-323280">
-              <a:lnSpc>
-                <a:spcPct val="100000"/>
-              </a:lnSpc>
-              <a:spcBef>
-                <a:spcPts val="1417"/>
-              </a:spcBef>
-              <a:buClr>
-                <a:srgbClr val="000000"/>
-              </a:buClr>
-              <a:buSzPct val="45000"/>
-              <a:buFont typeface="Wingdings" charset="2"/>
-              <a:buChar char=""/>
-            </a:pPr>
-            <a:r>
-              <a:rPr b="0" lang="pt-PT" sz="3200" spc="-1" strike="noStrike">
-                <a:solidFill>
-                  <a:srgbClr val="000000"/>
-                </a:solidFill>
-                <a:latin typeface="Arial"/>
-                <a:ea typeface="DejaVu Sans"/>
-              </a:rPr>
-              <a:t>JbossMQ</a:t>
-            </a:r>
-            <a:endParaRPr b="0" lang="pt-PT" sz="3200" spc="-1" strike="noStrike">
-              <a:latin typeface="Arial"/>
-            </a:endParaRPr>
-          </a:p>
-          <a:p>
-            <a:pPr marL="432000" indent="-323280">
-              <a:lnSpc>
-                <a:spcPct val="100000"/>
-              </a:lnSpc>
-              <a:spcBef>
-                <a:spcPts val="1417"/>
-              </a:spcBef>
-              <a:buClr>
-                <a:srgbClr val="000000"/>
-              </a:buClr>
-              <a:buSzPct val="45000"/>
-              <a:buFont typeface="Wingdings" charset="2"/>
-              <a:buChar char=""/>
-            </a:pPr>
-            <a:r>
-              <a:rPr b="0" lang="pt-PT" sz="3200" spc="-1" strike="noStrike">
-                <a:solidFill>
-                  <a:srgbClr val="000000"/>
-                </a:solidFill>
-                <a:latin typeface="Arial"/>
-                <a:ea typeface="DejaVu Sans"/>
-              </a:rPr>
-              <a:t>Apache Kafka</a:t>
-            </a:r>
-            <a:endParaRPr b="0" lang="pt-PT" sz="3200" spc="-1" strike="noStrike">
-              <a:latin typeface="Arial"/>
-            </a:endParaRPr>
-          </a:p>
-          <a:p>
-            <a:pPr marL="432000" indent="-323280">
-              <a:lnSpc>
-                <a:spcPct val="100000"/>
-              </a:lnSpc>
-              <a:spcBef>
-                <a:spcPts val="1417"/>
-              </a:spcBef>
-              <a:buClr>
-                <a:srgbClr val="000000"/>
-              </a:buClr>
-              <a:buSzPct val="45000"/>
-              <a:buFont typeface="Wingdings" charset="2"/>
-              <a:buChar char=""/>
-            </a:pPr>
-            <a:r>
-              <a:rPr b="0" lang="pt-PT" sz="3200" spc="-1" strike="noStrike">
-                <a:solidFill>
-                  <a:srgbClr val="000000"/>
-                </a:solidFill>
-                <a:latin typeface="Arial"/>
-                <a:ea typeface="DejaVu Sans"/>
-              </a:rPr>
-              <a:t>OpenJMS</a:t>
-            </a:r>
-            <a:endParaRPr b="0" lang="pt-PT" sz="3200" spc="-1" strike="noStrike">
-              <a:latin typeface="Arial"/>
-            </a:endParaRPr>
-          </a:p>
-          <a:p>
-            <a:pPr marL="432000" indent="-323280">
-              <a:lnSpc>
-                <a:spcPct val="100000"/>
-              </a:lnSpc>
-              <a:spcBef>
-                <a:spcPts val="1417"/>
-              </a:spcBef>
-              <a:buClr>
-                <a:srgbClr val="000000"/>
-              </a:buClr>
-              <a:buSzPct val="45000"/>
-              <a:buFont typeface="Wingdings" charset="2"/>
-              <a:buChar char=""/>
-            </a:pPr>
-            <a:r>
-              <a:rPr b="0" lang="pt-PT" sz="3200" spc="-1" strike="noStrike">
-                <a:solidFill>
-                  <a:srgbClr val="000000"/>
-                </a:solidFill>
-                <a:latin typeface="Arial"/>
-                <a:ea typeface="DejaVu Sans"/>
-              </a:rPr>
-              <a:t>WebSphere MQ </a:t>
-            </a:r>
-            <a:endParaRPr b="0" lang="pt-PT" sz="3200" spc="-1" strike="noStrike">
-              <a:latin typeface="Arial"/>
-            </a:endParaRPr>
-          </a:p>
-          <a:p>
-            <a:pPr marL="432000" indent="-323280">
-              <a:lnSpc>
-                <a:spcPct val="100000"/>
-              </a:lnSpc>
-              <a:spcBef>
-                <a:spcPts val="1417"/>
-              </a:spcBef>
-              <a:buClr>
-                <a:srgbClr val="000000"/>
-              </a:buClr>
-              <a:buSzPct val="45000"/>
-              <a:buFont typeface="Wingdings" charset="2"/>
-              <a:buChar char=""/>
-            </a:pPr>
-            <a:r>
-              <a:rPr b="0" lang="pt-PT" sz="3200" spc="-1" strike="noStrike">
-                <a:solidFill>
-                  <a:srgbClr val="000000"/>
-                </a:solidFill>
-                <a:latin typeface="Arial"/>
-                <a:ea typeface="DejaVu Sans"/>
-              </a:rPr>
-              <a:t>Outros...</a:t>
-            </a:r>
-            <a:endParaRPr b="0" lang="pt-PT" sz="3200" spc="-1" strike="noStrike">
-              <a:latin typeface="Arial"/>
-            </a:endParaRPr>
-          </a:p>
-        </p:txBody>
-      </p:sp>
+      </p:pic>
     </p:spTree>
   </p:cSld>
   <mc:AlternateContent>
@@ -3764,9 +3526,302 @@
           <a:chExt cx="0" cy="0"/>
         </a:xfrm>
       </p:grpSpPr>
+      <p:sp>
+        <p:nvSpPr>
+          <p:cNvPr id="81" name="CustomShape 1"/>
+          <p:cNvSpPr/>
+          <p:nvPr/>
+        </p:nvSpPr>
+        <p:spPr>
+          <a:xfrm>
+            <a:off x="360360" y="216000"/>
+            <a:ext cx="9070200" cy="3286800"/>
+          </a:xfrm>
+          <a:prstGeom prst="rect">
+            <a:avLst/>
+          </a:prstGeom>
+          <a:noFill/>
+          <a:ln>
+            <a:noFill/>
+          </a:ln>
+        </p:spPr>
+        <p:style>
+          <a:lnRef idx="0"/>
+          <a:fillRef idx="0"/>
+          <a:effectRef idx="0"/>
+          <a:fontRef idx="minor"/>
+        </p:style>
+        <p:txBody>
+          <a:bodyPr lIns="0" rIns="0" tIns="0" bIns="0">
+            <a:normAutofit fontScale="54000"/>
+          </a:bodyPr>
+          <a:p>
+            <a:pPr marL="432000" indent="-322560">
+              <a:lnSpc>
+                <a:spcPct val="100000"/>
+              </a:lnSpc>
+              <a:spcBef>
+                <a:spcPts val="1417"/>
+              </a:spcBef>
+              <a:buClr>
+                <a:srgbClr val="000000"/>
+              </a:buClr>
+              <a:buSzPct val="45000"/>
+              <a:buFont typeface="Wingdings" charset="2"/>
+              <a:buChar char=""/>
+            </a:pPr>
+            <a:r>
+              <a:rPr b="0" lang="pt-PT" sz="3200" spc="-1" strike="noStrike">
+                <a:solidFill>
+                  <a:srgbClr val="000000"/>
+                </a:solidFill>
+                <a:latin typeface="Arial"/>
+                <a:ea typeface="DejaVu Sans"/>
+              </a:rPr>
+              <a:t>WebLogic</a:t>
+            </a:r>
+            <a:endParaRPr b="0" lang="pt-PT" sz="3200" spc="-1" strike="noStrike">
+              <a:latin typeface="Arial"/>
+            </a:endParaRPr>
+          </a:p>
+          <a:p>
+            <a:pPr marL="432000" indent="-322560">
+              <a:lnSpc>
+                <a:spcPct val="100000"/>
+              </a:lnSpc>
+              <a:spcBef>
+                <a:spcPts val="1417"/>
+              </a:spcBef>
+              <a:buClr>
+                <a:srgbClr val="000000"/>
+              </a:buClr>
+              <a:buSzPct val="45000"/>
+              <a:buFont typeface="Wingdings" charset="2"/>
+              <a:buChar char=""/>
+            </a:pPr>
+            <a:r>
+              <a:rPr b="0" lang="pt-PT" sz="3200" spc="-1" strike="noStrike">
+                <a:solidFill>
+                  <a:srgbClr val="000000"/>
+                </a:solidFill>
+                <a:latin typeface="Arial"/>
+                <a:ea typeface="DejaVu Sans"/>
+              </a:rPr>
+              <a:t>RabbitMQ</a:t>
+            </a:r>
+            <a:endParaRPr b="0" lang="pt-PT" sz="3200" spc="-1" strike="noStrike">
+              <a:latin typeface="Arial"/>
+            </a:endParaRPr>
+          </a:p>
+          <a:p>
+            <a:pPr marL="432000" indent="-322560">
+              <a:lnSpc>
+                <a:spcPct val="100000"/>
+              </a:lnSpc>
+              <a:spcBef>
+                <a:spcPts val="1417"/>
+              </a:spcBef>
+              <a:buClr>
+                <a:srgbClr val="000000"/>
+              </a:buClr>
+              <a:buSzPct val="45000"/>
+              <a:buFont typeface="Wingdings" charset="2"/>
+              <a:buChar char=""/>
+            </a:pPr>
+            <a:r>
+              <a:rPr b="0" lang="pt-PT" sz="3200" spc="-1" strike="noStrike">
+                <a:solidFill>
+                  <a:srgbClr val="000000"/>
+                </a:solidFill>
+                <a:latin typeface="Arial"/>
+                <a:ea typeface="DejaVu Sans"/>
+              </a:rPr>
+              <a:t>ActiveMQ</a:t>
+            </a:r>
+            <a:endParaRPr b="0" lang="pt-PT" sz="3200" spc="-1" strike="noStrike">
+              <a:latin typeface="Arial"/>
+            </a:endParaRPr>
+          </a:p>
+          <a:p>
+            <a:pPr marL="432000" indent="-322560">
+              <a:lnSpc>
+                <a:spcPct val="100000"/>
+              </a:lnSpc>
+              <a:spcBef>
+                <a:spcPts val="1417"/>
+              </a:spcBef>
+              <a:buClr>
+                <a:srgbClr val="000000"/>
+              </a:buClr>
+              <a:buSzPct val="45000"/>
+              <a:buFont typeface="Wingdings" charset="2"/>
+              <a:buChar char=""/>
+            </a:pPr>
+            <a:r>
+              <a:rPr b="0" lang="pt-PT" sz="3200" spc="-1" strike="noStrike">
+                <a:solidFill>
+                  <a:srgbClr val="000000"/>
+                </a:solidFill>
+                <a:latin typeface="Arial"/>
+                <a:ea typeface="DejaVu Sans"/>
+              </a:rPr>
+              <a:t>JbossMQ</a:t>
+            </a:r>
+            <a:endParaRPr b="0" lang="pt-PT" sz="3200" spc="-1" strike="noStrike">
+              <a:latin typeface="Arial"/>
+            </a:endParaRPr>
+          </a:p>
+          <a:p>
+            <a:pPr marL="432000" indent="-322560">
+              <a:lnSpc>
+                <a:spcPct val="100000"/>
+              </a:lnSpc>
+              <a:spcBef>
+                <a:spcPts val="1417"/>
+              </a:spcBef>
+              <a:buClr>
+                <a:srgbClr val="000000"/>
+              </a:buClr>
+              <a:buSzPct val="45000"/>
+              <a:buFont typeface="Wingdings" charset="2"/>
+              <a:buChar char=""/>
+            </a:pPr>
+            <a:r>
+              <a:rPr b="0" lang="pt-PT" sz="3200" spc="-1" strike="noStrike">
+                <a:solidFill>
+                  <a:srgbClr val="000000"/>
+                </a:solidFill>
+                <a:latin typeface="Arial"/>
+                <a:ea typeface="DejaVu Sans"/>
+              </a:rPr>
+              <a:t>Apache Kafka</a:t>
+            </a:r>
+            <a:endParaRPr b="0" lang="pt-PT" sz="3200" spc="-1" strike="noStrike">
+              <a:latin typeface="Arial"/>
+            </a:endParaRPr>
+          </a:p>
+          <a:p>
+            <a:pPr marL="432000" indent="-322560">
+              <a:lnSpc>
+                <a:spcPct val="100000"/>
+              </a:lnSpc>
+              <a:spcBef>
+                <a:spcPts val="1417"/>
+              </a:spcBef>
+              <a:buClr>
+                <a:srgbClr val="000000"/>
+              </a:buClr>
+              <a:buSzPct val="45000"/>
+              <a:buFont typeface="Wingdings" charset="2"/>
+              <a:buChar char=""/>
+            </a:pPr>
+            <a:r>
+              <a:rPr b="0" lang="pt-PT" sz="3200" spc="-1" strike="noStrike">
+                <a:solidFill>
+                  <a:srgbClr val="000000"/>
+                </a:solidFill>
+                <a:latin typeface="Arial"/>
+                <a:ea typeface="DejaVu Sans"/>
+              </a:rPr>
+              <a:t>OpenJMS</a:t>
+            </a:r>
+            <a:endParaRPr b="0" lang="pt-PT" sz="3200" spc="-1" strike="noStrike">
+              <a:latin typeface="Arial"/>
+            </a:endParaRPr>
+          </a:p>
+          <a:p>
+            <a:pPr marL="432000" indent="-322560">
+              <a:lnSpc>
+                <a:spcPct val="100000"/>
+              </a:lnSpc>
+              <a:spcBef>
+                <a:spcPts val="1417"/>
+              </a:spcBef>
+              <a:buClr>
+                <a:srgbClr val="000000"/>
+              </a:buClr>
+              <a:buSzPct val="45000"/>
+              <a:buFont typeface="Wingdings" charset="2"/>
+              <a:buChar char=""/>
+            </a:pPr>
+            <a:r>
+              <a:rPr b="0" lang="pt-PT" sz="3200" spc="-1" strike="noStrike">
+                <a:solidFill>
+                  <a:srgbClr val="000000"/>
+                </a:solidFill>
+                <a:latin typeface="Arial"/>
+                <a:ea typeface="DejaVu Sans"/>
+              </a:rPr>
+              <a:t>WebSphere MQ </a:t>
+            </a:r>
+            <a:endParaRPr b="0" lang="pt-PT" sz="3200" spc="-1" strike="noStrike">
+              <a:latin typeface="Arial"/>
+            </a:endParaRPr>
+          </a:p>
+          <a:p>
+            <a:pPr marL="432000" indent="-322560">
+              <a:lnSpc>
+                <a:spcPct val="100000"/>
+              </a:lnSpc>
+              <a:spcBef>
+                <a:spcPts val="1417"/>
+              </a:spcBef>
+              <a:buClr>
+                <a:srgbClr val="000000"/>
+              </a:buClr>
+              <a:buSzPct val="45000"/>
+              <a:buFont typeface="Wingdings" charset="2"/>
+              <a:buChar char=""/>
+            </a:pPr>
+            <a:r>
+              <a:rPr b="0" lang="pt-PT" sz="3200" spc="-1" strike="noStrike">
+                <a:solidFill>
+                  <a:srgbClr val="000000"/>
+                </a:solidFill>
+                <a:latin typeface="Arial"/>
+                <a:ea typeface="DejaVu Sans"/>
+              </a:rPr>
+              <a:t>Outros</a:t>
+            </a:r>
+            <a:endParaRPr b="0" lang="pt-PT" sz="3200" spc="-1" strike="noStrike">
+              <a:latin typeface="Arial"/>
+            </a:endParaRPr>
+          </a:p>
+        </p:txBody>
+      </p:sp>
+    </p:spTree>
+  </p:cSld>
+  <mc:AlternateContent>
+    <mc:Choice Requires="p14">
+      <p:transition spd="slow" p14:dur="2000"/>
+    </mc:Choice>
+    <mc:Fallback>
+      <p:transition spd="slow"/>
+    </mc:Fallback>
+  </mc:AlternateContent>
+</p:sld>
+</file>
+
+<file path=ppt/slides/slide6.xml><?xml version="1.0" encoding="utf-8"?>
+<p:sld xmlns:a="http://schemas.openxmlformats.org/drawingml/2006/main" xmlns:p="http://schemas.openxmlformats.org/presentationml/2006/main" xmlns:r="http://schemas.openxmlformats.org/officeDocument/2006/relationships" xmlns:p14="http://schemas.microsoft.com/office/powerpoint/2010/main" xmlns:p15="http://schemas.microsoft.com/office/powerpoint/2012/main" xmlns:mc="http://schemas.openxmlformats.org/markup-compatibility/2006">
+  <p:cSld>
+    <p:spTree>
+      <p:nvGrpSpPr>
+        <p:cNvPr id="1" name=""/>
+        <p:cNvGrpSpPr/>
+        <p:nvPr/>
+      </p:nvGrpSpPr>
+      <p:grpSpPr>
+        <a:xfrm>
+          <a:off x="0" y="0"/>
+          <a:ext cx="0" cy="0"/>
+          <a:chOff x="0" y="0"/>
+          <a:chExt cx="0" cy="0"/>
+        </a:xfrm>
+      </p:grpSpPr>
       <p:pic>
         <p:nvPicPr>
-          <p:cNvPr id="81" name="" descr=""/>
+          <p:cNvPr id="82" name="" descr=""/>
           <p:cNvPicPr/>
           <p:nvPr/>
         </p:nvPicPr>
@@ -3777,7 +3832,7 @@
         <p:spPr>
           <a:xfrm>
             <a:off x="1136160" y="411480"/>
-            <a:ext cx="7866720" cy="4875840"/>
+            <a:ext cx="7866000" cy="4875120"/>
           </a:xfrm>
           <a:prstGeom prst="rect">
             <a:avLst/>
